--- a/Nakitare_capstone_project/(4)INNOVATION PROJECT.pptx
+++ b/Nakitare_capstone_project/(4)INNOVATION PROJECT.pptx
@@ -5,29 +5,29 @@
     <p:sldMasterId id="2147483648" r:id="rId1"/>
   </p:sldMasterIdLst>
   <p:notesMasterIdLst>
-    <p:notesMasterId r:id="rId23"/>
+    <p:notesMasterId r:id="rId22"/>
   </p:notesMasterIdLst>
   <p:sldIdLst>
-    <p:sldId id="256" r:id="rId3"/>
-    <p:sldId id="257" r:id="rId4"/>
-    <p:sldId id="259" r:id="rId5"/>
-    <p:sldId id="262" r:id="rId6"/>
-    <p:sldId id="263" r:id="rId7"/>
-    <p:sldId id="264" r:id="rId8"/>
-    <p:sldId id="265" r:id="rId9"/>
-    <p:sldId id="266" r:id="rId10"/>
-    <p:sldId id="267" r:id="rId11"/>
-    <p:sldId id="268" r:id="rId12"/>
-    <p:sldId id="269" r:id="rId13"/>
-    <p:sldId id="270" r:id="rId14"/>
-    <p:sldId id="271" r:id="rId15"/>
-    <p:sldId id="272" r:id="rId16"/>
-    <p:sldId id="273" r:id="rId17"/>
-    <p:sldId id="274" r:id="rId18"/>
-    <p:sldId id="278" r:id="rId19"/>
-    <p:sldId id="277" r:id="rId20"/>
-    <p:sldId id="275" r:id="rId21"/>
-    <p:sldId id="276" r:id="rId22"/>
+    <p:sldId id="256" r:id="rId2"/>
+    <p:sldId id="257" r:id="rId3"/>
+    <p:sldId id="259" r:id="rId4"/>
+    <p:sldId id="262" r:id="rId5"/>
+    <p:sldId id="263" r:id="rId6"/>
+    <p:sldId id="264" r:id="rId7"/>
+    <p:sldId id="265" r:id="rId8"/>
+    <p:sldId id="266" r:id="rId9"/>
+    <p:sldId id="267" r:id="rId10"/>
+    <p:sldId id="268" r:id="rId11"/>
+    <p:sldId id="269" r:id="rId12"/>
+    <p:sldId id="270" r:id="rId13"/>
+    <p:sldId id="271" r:id="rId14"/>
+    <p:sldId id="272" r:id="rId15"/>
+    <p:sldId id="273" r:id="rId16"/>
+    <p:sldId id="274" r:id="rId17"/>
+    <p:sldId id="278" r:id="rId18"/>
+    <p:sldId id="277" r:id="rId19"/>
+    <p:sldId id="275" r:id="rId20"/>
+    <p:sldId id="276" r:id="rId21"/>
   </p:sldIdLst>
   <p:sldSz cx="9144000" cy="5143500" type="screen16x9"/>
   <p:notesSz cx="6858000" cy="9144000"/>
@@ -227,6 +227,7 @@
           <a:p>
             <a:fld id="{31A2535C-95FD-433A-89C6-1DB28185BC4A}" type="datetimeFigureOut">
               <a:rPr lang="en-US" smtClean="0"/>
+              <a:t>4/26/2024</a:t>
             </a:fld>
             <a:endParaRPr lang="en-US"/>
           </a:p>
@@ -293,7 +294,6 @@
               <a:rPr lang="en-US"/>
               <a:t>Edit Master text styles</a:t>
             </a:r>
-            <a:endParaRPr lang="en-US"/>
           </a:p>
           <a:p>
             <a:pPr lvl="1"/>
@@ -301,7 +301,6 @@
               <a:rPr lang="en-US"/>
               <a:t>Second level</a:t>
             </a:r>
-            <a:endParaRPr lang="en-US"/>
           </a:p>
           <a:p>
             <a:pPr lvl="2"/>
@@ -309,7 +308,6 @@
               <a:rPr lang="en-US"/>
               <a:t>Third level</a:t>
             </a:r>
-            <a:endParaRPr lang="en-US"/>
           </a:p>
           <a:p>
             <a:pPr lvl="3"/>
@@ -317,7 +315,6 @@
               <a:rPr lang="en-US"/>
               <a:t>Fourth level</a:t>
             </a:r>
-            <a:endParaRPr lang="en-US"/>
           </a:p>
           <a:p>
             <a:pPr lvl="4"/>
@@ -325,7 +322,6 @@
               <a:rPr lang="en-US"/>
               <a:t>Fifth level</a:t>
             </a:r>
-            <a:endParaRPr lang="en-US"/>
           </a:p>
         </p:txBody>
       </p:sp>
@@ -389,6 +385,7 @@
           <a:p>
             <a:fld id="{B45A1A57-1B0A-40C7-91F9-C2CA7F6366E0}" type="slidenum">
               <a:rPr lang="en-US" smtClean="0"/>
+              <a:t>‹#›</a:t>
             </a:fld>
             <a:endParaRPr lang="en-US"/>
           </a:p>
@@ -572,7 +569,6 @@
               <a:rPr lang="en-US" dirty="0"/>
               <a:t>Master title style</a:t>
             </a:r>
-            <a:endParaRPr lang="en-US" dirty="0"/>
           </a:p>
         </p:txBody>
       </p:sp>
@@ -691,7 +687,6 @@
               <a:rPr lang="en-US" dirty="0"/>
               <a:t>Click to edit Master subtitle style</a:t>
             </a:r>
-            <a:endParaRPr lang="en-US" dirty="0"/>
           </a:p>
         </p:txBody>
       </p:sp>
@@ -712,6 +707,7 @@
           <a:p>
             <a:fld id="{53074F12-AA26-4AC8-9962-C36BB8F32554}" type="datetimeFigureOut">
               <a:rPr lang="en-US" smtClean="0"/>
+              <a:t>4/26/2024</a:t>
             </a:fld>
             <a:endParaRPr lang="en-US"/>
           </a:p>
@@ -753,6 +749,7 @@
           <a:p>
             <a:fld id="{B82CCC60-E8CD-4174-8B1A-7DF615B22EEF}" type="slidenum">
               <a:rPr lang="en-US" smtClean="0"/>
+              <a:t>‹#›</a:t>
             </a:fld>
             <a:endParaRPr lang="en-US"/>
           </a:p>
@@ -811,7 +808,6 @@
               <a:rPr lang="en-US"/>
               <a:t>Click to edit Master title style</a:t>
             </a:r>
-            <a:endParaRPr lang="en-US"/>
           </a:p>
         </p:txBody>
       </p:sp>
@@ -938,7 +934,6 @@
               <a:rPr lang="en-US"/>
               <a:t>Click to edit Master text styles</a:t>
             </a:r>
-            <a:endParaRPr lang="en-US"/>
           </a:p>
         </p:txBody>
       </p:sp>
@@ -959,6 +954,7 @@
           <a:p>
             <a:fld id="{53074F12-AA26-4AC8-9962-C36BB8F32554}" type="datetimeFigureOut">
               <a:rPr lang="en-US" smtClean="0"/>
+              <a:t>4/26/2024</a:t>
             </a:fld>
             <a:endParaRPr lang="en-US"/>
           </a:p>
@@ -1000,6 +996,7 @@
           <a:p>
             <a:fld id="{B82CCC60-E8CD-4174-8B1A-7DF615B22EEF}" type="slidenum">
               <a:rPr lang="en-US" smtClean="0"/>
+              <a:t>‹#›</a:t>
             </a:fld>
             <a:endParaRPr lang="en-US"/>
           </a:p>
@@ -1049,7 +1046,6 @@
               <a:rPr lang="en-US"/>
               <a:t>Click to edit Master title style</a:t>
             </a:r>
-            <a:endParaRPr lang="en-US"/>
           </a:p>
         </p:txBody>
       </p:sp>
@@ -1073,7 +1069,6 @@
               <a:rPr lang="en-US"/>
               <a:t>Click to edit Master text styles</a:t>
             </a:r>
-            <a:endParaRPr lang="en-US"/>
           </a:p>
           <a:p>
             <a:pPr lvl="1"/>
@@ -1081,7 +1076,6 @@
               <a:rPr lang="en-US"/>
               <a:t>Second level</a:t>
             </a:r>
-            <a:endParaRPr lang="en-US"/>
           </a:p>
           <a:p>
             <a:pPr lvl="2"/>
@@ -1089,7 +1083,6 @@
               <a:rPr lang="en-US"/>
               <a:t>Third level</a:t>
             </a:r>
-            <a:endParaRPr lang="en-US"/>
           </a:p>
           <a:p>
             <a:pPr lvl="3"/>
@@ -1097,7 +1090,6 @@
               <a:rPr lang="en-US"/>
               <a:t>Fourth level</a:t>
             </a:r>
-            <a:endParaRPr lang="en-US"/>
           </a:p>
           <a:p>
             <a:pPr lvl="4"/>
@@ -1105,7 +1097,6 @@
               <a:rPr lang="en-US"/>
               <a:t>Fifth level</a:t>
             </a:r>
-            <a:endParaRPr lang="en-US"/>
           </a:p>
         </p:txBody>
       </p:sp>
@@ -1126,6 +1117,7 @@
           <a:p>
             <a:fld id="{53074F12-AA26-4AC8-9962-C36BB8F32554}" type="datetimeFigureOut">
               <a:rPr lang="en-US" smtClean="0"/>
+              <a:t>4/26/2024</a:t>
             </a:fld>
             <a:endParaRPr lang="en-US"/>
           </a:p>
@@ -1167,6 +1159,7 @@
           <a:p>
             <a:fld id="{B82CCC60-E8CD-4174-8B1A-7DF615B22EEF}" type="slidenum">
               <a:rPr lang="en-US" smtClean="0"/>
+              <a:t>‹#›</a:t>
             </a:fld>
             <a:endParaRPr lang="en-US"/>
           </a:p>
@@ -1221,7 +1214,6 @@
               <a:rPr lang="en-US"/>
               <a:t>Click to edit Master title style</a:t>
             </a:r>
-            <a:endParaRPr lang="en-US"/>
           </a:p>
         </p:txBody>
       </p:sp>
@@ -1250,7 +1242,6 @@
               <a:rPr lang="en-US"/>
               <a:t>Click to edit Master text styles</a:t>
             </a:r>
-            <a:endParaRPr lang="en-US"/>
           </a:p>
           <a:p>
             <a:pPr lvl="1"/>
@@ -1258,7 +1249,6 @@
               <a:rPr lang="en-US"/>
               <a:t>Second level</a:t>
             </a:r>
-            <a:endParaRPr lang="en-US"/>
           </a:p>
           <a:p>
             <a:pPr lvl="2"/>
@@ -1266,7 +1256,6 @@
               <a:rPr lang="en-US"/>
               <a:t>Third level</a:t>
             </a:r>
-            <a:endParaRPr lang="en-US"/>
           </a:p>
           <a:p>
             <a:pPr lvl="3"/>
@@ -1274,7 +1263,6 @@
               <a:rPr lang="en-US"/>
               <a:t>Fourth level</a:t>
             </a:r>
-            <a:endParaRPr lang="en-US"/>
           </a:p>
           <a:p>
             <a:pPr lvl="4"/>
@@ -1282,7 +1270,6 @@
               <a:rPr lang="en-US"/>
               <a:t>Fifth level</a:t>
             </a:r>
-            <a:endParaRPr lang="en-US"/>
           </a:p>
         </p:txBody>
       </p:sp>
@@ -1303,6 +1290,7 @@
           <a:p>
             <a:fld id="{53074F12-AA26-4AC8-9962-C36BB8F32554}" type="datetimeFigureOut">
               <a:rPr lang="en-US" smtClean="0"/>
+              <a:t>4/26/2024</a:t>
             </a:fld>
             <a:endParaRPr lang="en-US"/>
           </a:p>
@@ -1344,6 +1332,7 @@
           <a:p>
             <a:fld id="{B82CCC60-E8CD-4174-8B1A-7DF615B22EEF}" type="slidenum">
               <a:rPr lang="en-US" smtClean="0"/>
+              <a:t>‹#›</a:t>
             </a:fld>
             <a:endParaRPr lang="en-US"/>
           </a:p>
@@ -1458,7 +1447,6 @@
               <a:rPr lang="en-US" dirty="0"/>
               <a:t>Click to edit Master title style</a:t>
             </a:r>
-            <a:endParaRPr lang="en-US" dirty="0"/>
           </a:p>
         </p:txBody>
       </p:sp>
@@ -1523,7 +1511,6 @@
               <a:rPr lang="en-US" dirty="0"/>
               <a:t>Click to edit Master text styles</a:t>
             </a:r>
-            <a:endParaRPr lang="en-US" dirty="0"/>
           </a:p>
           <a:p>
             <a:pPr lvl="1"/>
@@ -1531,7 +1518,6 @@
               <a:rPr lang="en-US" dirty="0"/>
               <a:t>Second level</a:t>
             </a:r>
-            <a:endParaRPr lang="en-US" dirty="0"/>
           </a:p>
           <a:p>
             <a:pPr lvl="2"/>
@@ -1539,7 +1525,6 @@
               <a:rPr lang="en-US" dirty="0"/>
               <a:t>Third level</a:t>
             </a:r>
-            <a:endParaRPr lang="en-US" dirty="0"/>
           </a:p>
           <a:p>
             <a:pPr lvl="3"/>
@@ -1547,7 +1532,6 @@
               <a:rPr lang="en-US" dirty="0"/>
               <a:t>Fourth level</a:t>
             </a:r>
-            <a:endParaRPr lang="en-US" dirty="0"/>
           </a:p>
           <a:p>
             <a:pPr lvl="4"/>
@@ -1555,7 +1539,6 @@
               <a:rPr lang="en-US" dirty="0"/>
               <a:t>Fifth level</a:t>
             </a:r>
-            <a:endParaRPr lang="en-US" dirty="0"/>
           </a:p>
         </p:txBody>
       </p:sp>
@@ -1576,6 +1559,7 @@
           <a:p>
             <a:fld id="{53074F12-AA26-4AC8-9962-C36BB8F32554}" type="datetimeFigureOut">
               <a:rPr lang="en-US" smtClean="0"/>
+              <a:t>4/26/2024</a:t>
             </a:fld>
             <a:endParaRPr lang="en-US"/>
           </a:p>
@@ -1617,6 +1601,7 @@
           <a:p>
             <a:fld id="{B82CCC60-E8CD-4174-8B1A-7DF615B22EEF}" type="slidenum">
               <a:rPr lang="en-US" smtClean="0"/>
+              <a:t>‹#›</a:t>
             </a:fld>
             <a:endParaRPr lang="en-US"/>
           </a:p>
@@ -1702,7 +1687,6 @@
               <a:rPr lang="en-US" dirty="0"/>
               <a:t>Click to edit Master title style</a:t>
             </a:r>
-            <a:endParaRPr lang="en-US" dirty="0"/>
           </a:p>
         </p:txBody>
       </p:sp>
@@ -1767,7 +1751,6 @@
               <a:rPr lang="en-US" dirty="0"/>
               <a:t>Click to edit Master text styles</a:t>
             </a:r>
-            <a:endParaRPr lang="en-US" dirty="0"/>
           </a:p>
           <a:p>
             <a:pPr lvl="1"/>
@@ -1775,7 +1758,6 @@
               <a:rPr lang="en-US" dirty="0"/>
               <a:t>Second level</a:t>
             </a:r>
-            <a:endParaRPr lang="en-US" dirty="0"/>
           </a:p>
           <a:p>
             <a:pPr lvl="2"/>
@@ -1783,7 +1765,6 @@
               <a:rPr lang="en-US" dirty="0"/>
               <a:t>Third level</a:t>
             </a:r>
-            <a:endParaRPr lang="en-US" dirty="0"/>
           </a:p>
           <a:p>
             <a:pPr lvl="3"/>
@@ -1791,7 +1772,6 @@
               <a:rPr lang="en-US" dirty="0"/>
               <a:t>Fourth level</a:t>
             </a:r>
-            <a:endParaRPr lang="en-US" dirty="0"/>
           </a:p>
           <a:p>
             <a:pPr lvl="4"/>
@@ -1799,7 +1779,6 @@
               <a:rPr lang="en-US" dirty="0"/>
               <a:t>Fifth level</a:t>
             </a:r>
-            <a:endParaRPr lang="en-US" dirty="0"/>
           </a:p>
         </p:txBody>
       </p:sp>
@@ -1820,6 +1799,7 @@
           <a:p>
             <a:fld id="{53074F12-AA26-4AC8-9962-C36BB8F32554}" type="datetimeFigureOut">
               <a:rPr lang="en-US" smtClean="0"/>
+              <a:t>4/26/2024</a:t>
             </a:fld>
             <a:endParaRPr lang="en-US"/>
           </a:p>
@@ -1861,6 +1841,7 @@
           <a:p>
             <a:fld id="{B82CCC60-E8CD-4174-8B1A-7DF615B22EEF}" type="slidenum">
               <a:rPr lang="en-US" smtClean="0"/>
+              <a:t>‹#›</a:t>
             </a:fld>
             <a:endParaRPr lang="en-US"/>
           </a:p>
@@ -1919,7 +1900,6 @@
               <a:rPr lang="en-US"/>
               <a:t>Click to edit Master title style</a:t>
             </a:r>
-            <a:endParaRPr lang="en-US"/>
           </a:p>
         </p:txBody>
       </p:sp>
@@ -2039,7 +2019,6 @@
               <a:rPr lang="en-US"/>
               <a:t>Click to edit Master text styles</a:t>
             </a:r>
-            <a:endParaRPr lang="en-US"/>
           </a:p>
         </p:txBody>
       </p:sp>
@@ -2060,6 +2039,7 @@
           <a:p>
             <a:fld id="{53074F12-AA26-4AC8-9962-C36BB8F32554}" type="datetimeFigureOut">
               <a:rPr lang="en-US" smtClean="0"/>
+              <a:t>4/26/2024</a:t>
             </a:fld>
             <a:endParaRPr lang="en-US"/>
           </a:p>
@@ -2101,6 +2081,7 @@
           <a:p>
             <a:fld id="{B82CCC60-E8CD-4174-8B1A-7DF615B22EEF}" type="slidenum">
               <a:rPr lang="en-US" smtClean="0"/>
+              <a:t>‹#›</a:t>
             </a:fld>
             <a:endParaRPr lang="en-US"/>
           </a:p>
@@ -2150,7 +2131,6 @@
               <a:rPr lang="en-US"/>
               <a:t>Click to edit Master title style</a:t>
             </a:r>
-            <a:endParaRPr lang="en-US"/>
           </a:p>
         </p:txBody>
       </p:sp>
@@ -2207,7 +2187,6 @@
               <a:rPr lang="en-US"/>
               <a:t>Click to edit Master text styles</a:t>
             </a:r>
-            <a:endParaRPr lang="en-US"/>
           </a:p>
           <a:p>
             <a:pPr lvl="1"/>
@@ -2215,7 +2194,6 @@
               <a:rPr lang="en-US"/>
               <a:t>Second level</a:t>
             </a:r>
-            <a:endParaRPr lang="en-US"/>
           </a:p>
           <a:p>
             <a:pPr lvl="2"/>
@@ -2223,7 +2201,6 @@
               <a:rPr lang="en-US"/>
               <a:t>Third level</a:t>
             </a:r>
-            <a:endParaRPr lang="en-US"/>
           </a:p>
           <a:p>
             <a:pPr lvl="3"/>
@@ -2231,7 +2208,6 @@
               <a:rPr lang="en-US"/>
               <a:t>Fourth level</a:t>
             </a:r>
-            <a:endParaRPr lang="en-US"/>
           </a:p>
           <a:p>
             <a:pPr lvl="4"/>
@@ -2239,7 +2215,6 @@
               <a:rPr lang="en-US"/>
               <a:t>Fifth level</a:t>
             </a:r>
-            <a:endParaRPr lang="en-US"/>
           </a:p>
         </p:txBody>
       </p:sp>
@@ -2296,7 +2271,6 @@
               <a:rPr lang="en-US"/>
               <a:t>Click to edit Master text styles</a:t>
             </a:r>
-            <a:endParaRPr lang="en-US"/>
           </a:p>
           <a:p>
             <a:pPr lvl="1"/>
@@ -2304,7 +2278,6 @@
               <a:rPr lang="en-US"/>
               <a:t>Second level</a:t>
             </a:r>
-            <a:endParaRPr lang="en-US"/>
           </a:p>
           <a:p>
             <a:pPr lvl="2"/>
@@ -2312,7 +2285,6 @@
               <a:rPr lang="en-US"/>
               <a:t>Third level</a:t>
             </a:r>
-            <a:endParaRPr lang="en-US"/>
           </a:p>
           <a:p>
             <a:pPr lvl="3"/>
@@ -2320,7 +2292,6 @@
               <a:rPr lang="en-US"/>
               <a:t>Fourth level</a:t>
             </a:r>
-            <a:endParaRPr lang="en-US"/>
           </a:p>
           <a:p>
             <a:pPr lvl="4"/>
@@ -2328,7 +2299,6 @@
               <a:rPr lang="en-US"/>
               <a:t>Fifth level</a:t>
             </a:r>
-            <a:endParaRPr lang="en-US"/>
           </a:p>
         </p:txBody>
       </p:sp>
@@ -2349,6 +2319,7 @@
           <a:p>
             <a:fld id="{53074F12-AA26-4AC8-9962-C36BB8F32554}" type="datetimeFigureOut">
               <a:rPr lang="en-US" smtClean="0"/>
+              <a:t>4/26/2024</a:t>
             </a:fld>
             <a:endParaRPr lang="en-US"/>
           </a:p>
@@ -2390,6 +2361,7 @@
           <a:p>
             <a:fld id="{B82CCC60-E8CD-4174-8B1A-7DF615B22EEF}" type="slidenum">
               <a:rPr lang="en-US" smtClean="0"/>
+              <a:t>‹#›</a:t>
             </a:fld>
             <a:endParaRPr lang="en-US"/>
           </a:p>
@@ -2461,7 +2433,6 @@
               <a:rPr lang="en-US" dirty="0"/>
               <a:t>Click to edit Master title style</a:t>
             </a:r>
-            <a:endParaRPr lang="en-US" dirty="0"/>
           </a:p>
         </p:txBody>
       </p:sp>
@@ -2531,7 +2502,6 @@
               <a:rPr lang="en-US" dirty="0"/>
               <a:t>Click to edit Master text styles</a:t>
             </a:r>
-            <a:endParaRPr lang="en-US" dirty="0"/>
           </a:p>
         </p:txBody>
       </p:sp>
@@ -2608,7 +2578,6 @@
               <a:rPr lang="en-US" dirty="0"/>
               <a:t>Click to edit Master text styles</a:t>
             </a:r>
-            <a:endParaRPr lang="en-US" dirty="0"/>
           </a:p>
           <a:p>
             <a:pPr lvl="1"/>
@@ -2616,7 +2585,6 @@
               <a:rPr lang="en-US" dirty="0"/>
               <a:t>Second level</a:t>
             </a:r>
-            <a:endParaRPr lang="en-US" dirty="0"/>
           </a:p>
           <a:p>
             <a:pPr lvl="2"/>
@@ -2624,7 +2592,6 @@
               <a:rPr lang="en-US" dirty="0"/>
               <a:t>Third level</a:t>
             </a:r>
-            <a:endParaRPr lang="en-US" dirty="0"/>
           </a:p>
           <a:p>
             <a:pPr lvl="3"/>
@@ -2632,7 +2599,6 @@
               <a:rPr lang="en-US" dirty="0"/>
               <a:t>Fourth level</a:t>
             </a:r>
-            <a:endParaRPr lang="en-US" dirty="0"/>
           </a:p>
           <a:p>
             <a:pPr lvl="4"/>
@@ -2640,7 +2606,6 @@
               <a:rPr lang="en-US" dirty="0"/>
               <a:t>Fifth level</a:t>
             </a:r>
-            <a:endParaRPr lang="en-US" dirty="0"/>
           </a:p>
         </p:txBody>
       </p:sp>
@@ -2710,7 +2675,6 @@
               <a:rPr lang="en-US" dirty="0"/>
               <a:t>Click to edit Master text styles</a:t>
             </a:r>
-            <a:endParaRPr lang="en-US" dirty="0"/>
           </a:p>
         </p:txBody>
       </p:sp>
@@ -2787,7 +2751,6 @@
               <a:rPr lang="en-US" dirty="0"/>
               <a:t>Click to edit Master text styles</a:t>
             </a:r>
-            <a:endParaRPr lang="en-US" dirty="0"/>
           </a:p>
           <a:p>
             <a:pPr lvl="1"/>
@@ -2795,7 +2758,6 @@
               <a:rPr lang="en-US" dirty="0"/>
               <a:t>Second level</a:t>
             </a:r>
-            <a:endParaRPr lang="en-US" dirty="0"/>
           </a:p>
           <a:p>
             <a:pPr lvl="2"/>
@@ -2803,7 +2765,6 @@
               <a:rPr lang="en-US" dirty="0"/>
               <a:t>Third level</a:t>
             </a:r>
-            <a:endParaRPr lang="en-US" dirty="0"/>
           </a:p>
           <a:p>
             <a:pPr lvl="3"/>
@@ -2811,7 +2772,6 @@
               <a:rPr lang="en-US" dirty="0"/>
               <a:t>Fourth level</a:t>
             </a:r>
-            <a:endParaRPr lang="en-US" dirty="0"/>
           </a:p>
           <a:p>
             <a:pPr lvl="4"/>
@@ -2819,7 +2779,6 @@
               <a:rPr lang="en-US" dirty="0"/>
               <a:t>Fifth level</a:t>
             </a:r>
-            <a:endParaRPr lang="en-US" dirty="0"/>
           </a:p>
         </p:txBody>
       </p:sp>
@@ -2840,6 +2799,7 @@
           <a:p>
             <a:fld id="{53074F12-AA26-4AC8-9962-C36BB8F32554}" type="datetimeFigureOut">
               <a:rPr lang="en-US" smtClean="0"/>
+              <a:t>4/26/2024</a:t>
             </a:fld>
             <a:endParaRPr lang="en-US"/>
           </a:p>
@@ -2881,6 +2841,7 @@
           <a:p>
             <a:fld id="{B82CCC60-E8CD-4174-8B1A-7DF615B22EEF}" type="slidenum">
               <a:rPr lang="en-US" smtClean="0"/>
+              <a:t>‹#›</a:t>
             </a:fld>
             <a:endParaRPr lang="en-US"/>
           </a:p>
@@ -2930,7 +2891,6 @@
               <a:rPr lang="en-US"/>
               <a:t>Click to edit Master title style</a:t>
             </a:r>
-            <a:endParaRPr lang="en-US"/>
           </a:p>
         </p:txBody>
       </p:sp>
@@ -2951,6 +2911,7 @@
           <a:p>
             <a:fld id="{53074F12-AA26-4AC8-9962-C36BB8F32554}" type="datetimeFigureOut">
               <a:rPr lang="en-US" smtClean="0"/>
+              <a:t>4/26/2024</a:t>
             </a:fld>
             <a:endParaRPr lang="en-US"/>
           </a:p>
@@ -2992,6 +2953,7 @@
           <a:p>
             <a:fld id="{B82CCC60-E8CD-4174-8B1A-7DF615B22EEF}" type="slidenum">
               <a:rPr lang="en-US" smtClean="0"/>
+              <a:t>‹#›</a:t>
             </a:fld>
             <a:endParaRPr lang="en-US"/>
           </a:p>
@@ -3039,6 +3001,7 @@
           <a:p>
             <a:fld id="{53074F12-AA26-4AC8-9962-C36BB8F32554}" type="datetimeFigureOut">
               <a:rPr lang="en-US" smtClean="0"/>
+              <a:t>4/26/2024</a:t>
             </a:fld>
             <a:endParaRPr lang="en-US"/>
           </a:p>
@@ -3080,6 +3043,7 @@
           <a:p>
             <a:fld id="{B82CCC60-E8CD-4174-8B1A-7DF615B22EEF}" type="slidenum">
               <a:rPr lang="en-US" smtClean="0"/>
+              <a:t>‹#›</a:t>
             </a:fld>
             <a:endParaRPr lang="en-US"/>
           </a:p>
@@ -3138,7 +3102,6 @@
               <a:rPr lang="en-US"/>
               <a:t>Click to edit Master title style</a:t>
             </a:r>
-            <a:endParaRPr lang="en-US"/>
           </a:p>
         </p:txBody>
       </p:sp>
@@ -3195,7 +3158,6 @@
               <a:rPr lang="en-US"/>
               <a:t>Click to edit Master text styles</a:t>
             </a:r>
-            <a:endParaRPr lang="en-US"/>
           </a:p>
           <a:p>
             <a:pPr lvl="1"/>
@@ -3203,7 +3165,6 @@
               <a:rPr lang="en-US"/>
               <a:t>Second level</a:t>
             </a:r>
-            <a:endParaRPr lang="en-US"/>
           </a:p>
           <a:p>
             <a:pPr lvl="2"/>
@@ -3211,7 +3172,6 @@
               <a:rPr lang="en-US"/>
               <a:t>Third level</a:t>
             </a:r>
-            <a:endParaRPr lang="en-US"/>
           </a:p>
           <a:p>
             <a:pPr lvl="3"/>
@@ -3219,7 +3179,6 @@
               <a:rPr lang="en-US"/>
               <a:t>Fourth level</a:t>
             </a:r>
-            <a:endParaRPr lang="en-US"/>
           </a:p>
           <a:p>
             <a:pPr lvl="4"/>
@@ -3227,7 +3186,6 @@
               <a:rPr lang="en-US"/>
               <a:t>Fifth level</a:t>
             </a:r>
-            <a:endParaRPr lang="en-US"/>
           </a:p>
         </p:txBody>
       </p:sp>
@@ -3293,7 +3251,6 @@
               <a:rPr lang="en-US"/>
               <a:t>Click to edit Master text styles</a:t>
             </a:r>
-            <a:endParaRPr lang="en-US"/>
           </a:p>
         </p:txBody>
       </p:sp>
@@ -3314,6 +3271,7 @@
           <a:p>
             <a:fld id="{53074F12-AA26-4AC8-9962-C36BB8F32554}" type="datetimeFigureOut">
               <a:rPr lang="en-US" smtClean="0"/>
+              <a:t>4/26/2024</a:t>
             </a:fld>
             <a:endParaRPr lang="en-US"/>
           </a:p>
@@ -3355,6 +3313,7 @@
           <a:p>
             <a:fld id="{B82CCC60-E8CD-4174-8B1A-7DF615B22EEF}" type="slidenum">
               <a:rPr lang="en-US" smtClean="0"/>
+              <a:t>‹#›</a:t>
             </a:fld>
             <a:endParaRPr lang="en-US"/>
           </a:p>
@@ -3374,7 +3333,7 @@
     <p:bg>
       <p:bgPr>
         <a:blipFill dpi="0" rotWithShape="1">
-          <a:blip r:embed="rId13">
+          <a:blip r:embed="rId14">
             <a:lum/>
           </a:blip>
           <a:srcRect/>
@@ -3428,7 +3387,6 @@
               <a:rPr lang="en-US"/>
               <a:t>Click to edit Master title style</a:t>
             </a:r>
-            <a:endParaRPr lang="en-US"/>
           </a:p>
         </p:txBody>
       </p:sp>
@@ -3462,7 +3420,6 @@
               <a:rPr lang="en-US"/>
               <a:t>Click to edit Master text styles</a:t>
             </a:r>
-            <a:endParaRPr lang="en-US"/>
           </a:p>
           <a:p>
             <a:pPr lvl="1"/>
@@ -3470,7 +3427,6 @@
               <a:rPr lang="en-US"/>
               <a:t>Second level</a:t>
             </a:r>
-            <a:endParaRPr lang="en-US"/>
           </a:p>
           <a:p>
             <a:pPr lvl="2"/>
@@ -3478,7 +3434,6 @@
               <a:rPr lang="en-US"/>
               <a:t>Third level</a:t>
             </a:r>
-            <a:endParaRPr lang="en-US"/>
           </a:p>
           <a:p>
             <a:pPr lvl="3"/>
@@ -3486,7 +3441,6 @@
               <a:rPr lang="en-US"/>
               <a:t>Fourth level</a:t>
             </a:r>
-            <a:endParaRPr lang="en-US"/>
           </a:p>
           <a:p>
             <a:pPr lvl="4"/>
@@ -3494,7 +3448,6 @@
               <a:rPr lang="en-US"/>
               <a:t>Fifth level</a:t>
             </a:r>
-            <a:endParaRPr lang="en-US"/>
           </a:p>
         </p:txBody>
       </p:sp>
@@ -3533,6 +3486,7 @@
           <a:p>
             <a:fld id="{53074F12-AA26-4AC8-9962-C36BB8F32554}" type="datetimeFigureOut">
               <a:rPr lang="en-US" smtClean="0"/>
+              <a:t>4/26/2024</a:t>
             </a:fld>
             <a:endParaRPr lang="en-US"/>
           </a:p>
@@ -3610,6 +3564,7 @@
           <a:p>
             <a:fld id="{B82CCC60-E8CD-4174-8B1A-7DF615B22EEF}" type="slidenum">
               <a:rPr lang="en-US" smtClean="0"/>
+              <a:t>‹#›</a:t>
             </a:fld>
             <a:endParaRPr lang="en-US"/>
           </a:p>
@@ -3647,13 +3602,6 @@
               </a:rPr>
               <a:t>This presentation uses a free template provided by FPPT.com</a:t>
             </a:r>
-            <a:endParaRPr lang="en-US" sz="1400">
-              <a:solidFill>
-                <a:schemeClr val="bg1">
-                  <a:lumMod val="65000"/>
-                </a:schemeClr>
-              </a:solidFill>
-            </a:endParaRPr>
           </a:p>
           <a:p>
             <a:r>
@@ -3666,13 +3614,6 @@
               </a:rPr>
               <a:t>www.free-power-point-templates.com</a:t>
             </a:r>
-            <a:endParaRPr lang="en-US" sz="1400">
-              <a:solidFill>
-                <a:schemeClr val="bg1">
-                  <a:lumMod val="65000"/>
-                </a:schemeClr>
-              </a:solidFill>
-            </a:endParaRPr>
           </a:p>
         </p:txBody>
       </p:sp>
@@ -4097,7 +4038,7 @@
               <a:t>SMART  CITIES TECHNOLOGY</a:t>
             </a:r>
             <a:br>
-              <a:rPr lang="en-US" sz="2800" b="1">
+              <a:rPr lang="en-US" sz="2800" b="1" dirty="0">
                 <a:solidFill>
                   <a:srgbClr val="00B050"/>
                 </a:solidFill>
@@ -4108,7 +4049,7 @@
               </a:rPr>
             </a:br>
             <a:r>
-              <a:rPr lang="en-US" sz="2800" b="1" smtClean="0">
+              <a:rPr lang="en-US" sz="2800" b="1" dirty="0" smtClean="0">
                 <a:solidFill>
                   <a:srgbClr val="00B050"/>
                 </a:solidFill>
@@ -4117,7 +4058,19 @@
                 </a:highlight>
                 <a:sym typeface="+mn-ea"/>
               </a:rPr>
-              <a:t>E020-01-2367/2020</a:t>
+              <a:t>C026-01-0737/2020</a:t>
+            </a:r>
+            <a:r>
+              <a:rPr lang="en-US" sz="2800" b="1" dirty="0">
+                <a:solidFill>
+                  <a:srgbClr val="00B050"/>
+                </a:solidFill>
+                <a:highlight>
+                  <a:srgbClr val="C0C0C0"/>
+                </a:highlight>
+                <a:sym typeface="+mn-ea"/>
+              </a:rPr>
+              <a:t/>
             </a:r>
             <a:br>
               <a:rPr lang="en-US" sz="2800" b="1" dirty="0">
@@ -4131,6 +4084,18 @@
               </a:rPr>
             </a:br>
             <a:r>
+              <a:rPr lang="en-US" sz="2800" b="1" dirty="0" smtClean="0">
+                <a:solidFill>
+                  <a:srgbClr val="00B050"/>
+                </a:solidFill>
+                <a:highlight>
+                  <a:srgbClr val="C0C0C0"/>
+                </a:highlight>
+                <a:sym typeface="+mn-ea"/>
+              </a:rPr>
+              <a:t>COMPUTER SCIENCE </a:t>
+            </a:r>
+            <a:r>
               <a:rPr lang="en-US" sz="2800" b="1" dirty="0">
                 <a:solidFill>
                   <a:srgbClr val="00B050"/>
@@ -4140,7 +4105,7 @@
                 </a:highlight>
                 <a:sym typeface="+mn-ea"/>
               </a:rPr>
-              <a:t>TELECOMMUNICATION AND INFORMATION ENGINEERING STUDENT </a:t>
+              <a:t>STUDENT </a:t>
             </a:r>
             <a:endParaRPr lang="en-US" sz="2800" b="1" dirty="0">
               <a:solidFill>
@@ -4237,10 +4202,21 @@
               <a:buNone/>
             </a:pPr>
             <a:r>
-              <a:rPr lang="en-US"/>
-              <a:t>Telecommunication engineering  plays a central role in transforming traditional buildings into smart, energy-efficient structures. Advanced building automation systems are designed and implemented by electrical engineers who incorporate technologies like smart lighting, energy management, and HVAC systems. These systems optimise energy consumption, enhance occupant comfort, and improve overall building performance, contributing to the sustainability and resilience of smart cities.</a:t>
-            </a:r>
-            <a:endParaRPr lang="en-US"/>
+              <a:rPr lang="en-US" dirty="0" smtClean="0"/>
+              <a:t>Computer science  </a:t>
+            </a:r>
+            <a:r>
+              <a:rPr lang="en-US" dirty="0"/>
+              <a:t>plays a central role in transforming traditional buildings into smart, energy-efficient structures. Advanced building automation systems are designed and implemented by electrical engineers who incorporate technologies like smart lighting, energy management, and HVAC systems. These systems </a:t>
+            </a:r>
+            <a:r>
+              <a:rPr lang="en-US" dirty="0" err="1"/>
+              <a:t>optimise</a:t>
+            </a:r>
+            <a:r>
+              <a:rPr lang="en-US" dirty="0"/>
+              <a:t> energy consumption, enhance occupant comfort, and improve overall building performance, contributing to the sustainability and resilience of smart cities.</a:t>
+            </a:r>
           </a:p>
         </p:txBody>
       </p:sp>
@@ -4290,7 +4266,6 @@
               <a:rPr lang="en-US"/>
               <a:t>cyber security and resilience</a:t>
             </a:r>
-            <a:endParaRPr lang="en-US"/>
           </a:p>
         </p:txBody>
       </p:sp>
@@ -4324,7 +4299,6 @@
               <a:rPr lang="en-US"/>
               <a:t>As smart cities become more connected and reliant on digital technologies, ensuring cybersecurity and resilience becomes paramount. Telcommunication engineers  are at the forefront of developing secure communication networks, robust infrastructure, and effective cybersecurity measures. They work to safeguard critical systems, protect sensitive data, and mitigate cybersecurity risks. By addressing these challenges, electrical engineers enable smart cities to operate securely and maintain the trust of their residents.</a:t>
             </a:r>
-            <a:endParaRPr lang="en-US"/>
           </a:p>
         </p:txBody>
       </p:sp>
@@ -4398,47 +4372,42 @@
           <a:lstStyle/>
           <a:p>
             <a:r>
-              <a:rPr lang="en-US"/>
-              <a:t>The role of telecommunication and information engineering in the development of smart cities extends beyond borders. There is a global need for experts in this industry due to the rising need for sustainable urban solutions. By pursuing a career in electrical engineering focused on smart cities, you open yourself up to a wide range of opportunities worldwide. Your electrical engineering knowledge and abilities will be in great demand, whether you work for the government, research institutes, technology corporations, or consulting organisations.</a:t>
-            </a:r>
-            <a:endParaRPr lang="en-US"/>
-          </a:p>
-        </p:txBody>
-      </p:sp>
-      <p:sp>
-        <p:nvSpPr>
-          <p:cNvPr id="4" name="Text Box 3"/>
-          <p:cNvSpPr txBox="1"/>
-          <p:nvPr/>
-        </p:nvSpPr>
-        <p:spPr>
-          <a:xfrm>
-            <a:off x="2286000" y="586740"/>
-            <a:ext cx="4572000" cy="3692525"/>
-          </a:xfrm>
-          <a:prstGeom prst="rect">
-            <a:avLst/>
-          </a:prstGeom>
-          <a:noFill/>
-        </p:spPr>
-        <p:txBody>
-          <a:bodyPr wrap="square" rtlCol="0" anchor="t">
-            <a:spAutoFit/>
-          </a:bodyPr>
-          <a:lstStyle/>
-          <a:p>
-            <a:r>
-              <a:rPr lang="en-US"/>
-              <a:t>Global Impact and Career Opportunities</a:t>
-            </a:r>
-            <a:endParaRPr lang="en-US"/>
-          </a:p>
-          <a:p>
-            <a:r>
-              <a:rPr lang="en-US"/>
-              <a:t>The role of electrical engineering in the development of smart cities extends beyond borders.re is a glod for experts in this industry due to the rising need for sustainable urban solutions. By pursuing a career in electrical engineering focused on smart cities, you open yourself up to a wide range of opportunities worldwide. Your electrical engineering knowledge and abilities will be in great demand, whether you work for the government, research institutes, technology corporations, or consulting organisations.</a:t>
-            </a:r>
-            <a:endParaRPr lang="en-US"/>
+              <a:rPr lang="en-US" dirty="0"/>
+              <a:t>The role of </a:t>
+            </a:r>
+            <a:r>
+              <a:rPr lang="en-US" dirty="0" smtClean="0"/>
+              <a:t>computer science</a:t>
+            </a:r>
+            <a:r>
+              <a:rPr lang="en-US" dirty="0" smtClean="0"/>
+              <a:t> </a:t>
+            </a:r>
+            <a:r>
+              <a:rPr lang="en-US" dirty="0"/>
+              <a:t>in the development of smart cities extends beyond borders. There is a global need for experts in this industry due to the rising need for sustainable urban solutions. By pursuing a career in </a:t>
+            </a:r>
+            <a:r>
+              <a:rPr lang="en-US" dirty="0" smtClean="0"/>
+              <a:t>computer science </a:t>
+            </a:r>
+            <a:r>
+              <a:rPr lang="en-US" dirty="0"/>
+              <a:t>focused on smart cities, you open yourself up to a wide range of opportunities worldwide. Your </a:t>
+            </a:r>
+            <a:r>
+              <a:rPr lang="en-US" dirty="0" smtClean="0"/>
+              <a:t>computer science knowledge </a:t>
+            </a:r>
+            <a:r>
+              <a:rPr lang="en-US" dirty="0"/>
+              <a:t>and abilities will be in great demand, whether you work for the government, research institutes, technology corporations, or consulting </a:t>
+            </a:r>
+            <a:r>
+              <a:rPr lang="en-US" dirty="0" smtClean="0"/>
+              <a:t>organizations.</a:t>
+            </a:r>
+            <a:endParaRPr lang="en-US" dirty="0"/>
           </a:p>
         </p:txBody>
       </p:sp>
@@ -4488,7 +4457,6 @@
               <a:rPr lang="en-US"/>
               <a:t>smart city</a:t>
             </a:r>
-            <a:endParaRPr lang="en-US"/>
           </a:p>
         </p:txBody>
       </p:sp>
@@ -4503,7 +4471,7 @@
           </p:nvPr>
         </p:nvPicPr>
         <p:blipFill>
-          <a:blip r:embed="rId1"/>
+          <a:blip r:embed="rId2"/>
           <a:stretch>
             <a:fillRect/>
           </a:stretch>
@@ -4564,7 +4532,6 @@
               <a:rPr lang="en-US"/>
               <a:t>Examples of smart Cities in the world</a:t>
             </a:r>
-            <a:endParaRPr lang="en-US"/>
           </a:p>
         </p:txBody>
       </p:sp>
@@ -4586,103 +4553,98 @@
           <a:lstStyle/>
           <a:p>
             <a:r>
-              <a:rPr lang="en-US" sz="1400"/>
+              <a:rPr lang="en-US" sz="1400" dirty="0"/>
               <a:t>Cities across the world are in different stages of smart technology development and implementation. However, there are several who are ahead of the curve, leading the path to creating fully smart cities. These include:</a:t>
             </a:r>
-            <a:endParaRPr lang="en-US" sz="1400"/>
-          </a:p>
-          <a:p>
-            <a:r>
-              <a:rPr lang="en-US" sz="1400"/>
-              <a:t>Tokyco , Japan</a:t>
-            </a:r>
-            <a:endParaRPr lang="en-US" sz="1400"/>
-          </a:p>
-          <a:p>
-            <a:r>
-              <a:rPr lang="en-US" sz="1400"/>
-              <a:t> Barcelona, Spain                </a:t>
-            </a:r>
-            <a:endParaRPr lang="en-US" sz="1400"/>
-          </a:p>
-          <a:p>
-            <a:r>
-              <a:rPr lang="en-US" sz="1400"/>
+          </a:p>
+          <a:p>
+            <a:r>
+              <a:rPr lang="en-US" sz="1400" dirty="0" smtClean="0"/>
+              <a:t>Tokyo </a:t>
+            </a:r>
+            <a:r>
+              <a:rPr lang="en-US" sz="1400" dirty="0"/>
+              <a:t>, Japan</a:t>
+            </a:r>
+          </a:p>
+          <a:p>
+            <a:r>
+              <a:rPr lang="en-US" sz="1400" dirty="0" smtClean="0"/>
+              <a:t>Barcelona</a:t>
+            </a:r>
+            <a:r>
+              <a:rPr lang="en-US" sz="1400" dirty="0"/>
+              <a:t>, Spain                </a:t>
+            </a:r>
+          </a:p>
+          <a:p>
+            <a:r>
+              <a:rPr lang="en-US" sz="1400" dirty="0"/>
               <a:t>Columbus, Ohio, USA</a:t>
             </a:r>
-            <a:endParaRPr lang="en-US" sz="1400"/>
-          </a:p>
-          <a:p>
-            <a:r>
-              <a:rPr lang="en-US" sz="1400"/>
+          </a:p>
+          <a:p>
+            <a:r>
+              <a:rPr lang="en-US" sz="1400" dirty="0"/>
               <a:t>Dubai, United Arab Emirates</a:t>
             </a:r>
-            <a:endParaRPr lang="en-US" sz="1400"/>
-          </a:p>
-          <a:p>
-            <a:r>
-              <a:rPr lang="en-US" sz="1400"/>
+          </a:p>
+          <a:p>
+            <a:r>
+              <a:rPr lang="en-US" sz="1400" dirty="0"/>
               <a:t>Hong Kong, China</a:t>
             </a:r>
-            <a:endParaRPr lang="en-US" sz="1400"/>
-          </a:p>
-          <a:p>
-            <a:r>
-              <a:rPr lang="en-US" sz="1400"/>
+          </a:p>
+          <a:p>
+            <a:r>
+              <a:rPr lang="en-US" sz="1400" dirty="0"/>
               <a:t>Kansas City, Missouri, USA</a:t>
             </a:r>
-            <a:endParaRPr lang="en-US" sz="1400"/>
-          </a:p>
-          <a:p>
-            <a:r>
-              <a:rPr lang="en-US" sz="1400"/>
+          </a:p>
+          <a:p>
+            <a:r>
+              <a:rPr lang="en-US" sz="1400" dirty="0"/>
               <a:t>London, England</a:t>
             </a:r>
-            <a:endParaRPr lang="en-US" sz="1400"/>
-          </a:p>
-          <a:p>
-            <a:r>
-              <a:rPr lang="en-US" sz="1400"/>
+          </a:p>
+          <a:p>
+            <a:r>
+              <a:rPr lang="en-US" sz="1400" dirty="0"/>
               <a:t>Melbourne, Australia</a:t>
             </a:r>
-            <a:endParaRPr lang="en-US" sz="1400"/>
-          </a:p>
-          <a:p>
-            <a:r>
-              <a:rPr lang="en-US" sz="1400"/>
+          </a:p>
+          <a:p>
+            <a:r>
+              <a:rPr lang="en-US" sz="1400" dirty="0"/>
               <a:t>New York City, New York, USA</a:t>
             </a:r>
-            <a:endParaRPr lang="en-US" sz="1400"/>
-          </a:p>
-          <a:p>
-            <a:r>
-              <a:rPr lang="en-US" sz="1400"/>
+          </a:p>
+          <a:p>
+            <a:r>
+              <a:rPr lang="en-US" sz="1400" dirty="0"/>
               <a:t>Reykjavik, Iceland</a:t>
             </a:r>
-            <a:endParaRPr lang="en-US" sz="1400"/>
-          </a:p>
-          <a:p>
-            <a:endParaRPr lang="en-US" sz="1400"/>
+          </a:p>
+          <a:p>
+            <a:endParaRPr lang="en-US" sz="1400" dirty="0"/>
           </a:p>
           <a:p>
             <a:pPr marL="0" indent="0">
               <a:buNone/>
             </a:pPr>
-            <a:endParaRPr lang="en-US" sz="1400"/>
-          </a:p>
-          <a:p>
-            <a:r>
-              <a:rPr lang="en-US" sz="1400"/>
+            <a:endParaRPr lang="en-US" sz="1400" dirty="0"/>
+          </a:p>
+          <a:p>
+            <a:r>
+              <a:rPr lang="en-US" sz="1400" dirty="0"/>
               <a:t>Toronto, Canada</a:t>
             </a:r>
-            <a:endParaRPr lang="en-US" sz="1400"/>
-          </a:p>
-          <a:p>
-            <a:r>
-              <a:rPr lang="en-US" sz="1400"/>
+          </a:p>
+          <a:p>
+            <a:r>
+              <a:rPr lang="en-US" sz="1400" dirty="0"/>
               <a:t>Vienna, Austria</a:t>
             </a:r>
-            <a:endParaRPr lang="en-US" sz="1400"/>
           </a:p>
         </p:txBody>
       </p:sp>
@@ -4732,7 +4694,6 @@
               <a:rPr lang="en-US"/>
               <a:t>smart city integration</a:t>
             </a:r>
-            <a:endParaRPr lang="en-US"/>
           </a:p>
         </p:txBody>
       </p:sp>
@@ -4747,7 +4708,7 @@
           </p:nvPr>
         </p:nvPicPr>
         <p:blipFill>
-          <a:blip r:embed="rId1"/>
+          <a:blip r:embed="rId2"/>
           <a:stretch>
             <a:fillRect/>
           </a:stretch>
@@ -4808,7 +4769,6 @@
               <a:rPr lang="en-US"/>
               <a:t>examples </a:t>
             </a:r>
-            <a:endParaRPr lang="en-US"/>
           </a:p>
         </p:txBody>
       </p:sp>
@@ -4823,7 +4783,7 @@
           </p:nvPr>
         </p:nvPicPr>
         <p:blipFill>
-          <a:blip r:embed="rId1"/>
+          <a:blip r:embed="rId2"/>
           <a:stretch>
             <a:fillRect/>
           </a:stretch>
@@ -4884,7 +4844,6 @@
               <a:rPr lang="en-US"/>
               <a:t>UN Approach</a:t>
             </a:r>
-            <a:endParaRPr lang="en-US"/>
           </a:p>
         </p:txBody>
       </p:sp>
@@ -4899,7 +4858,7 @@
           </p:nvPr>
         </p:nvPicPr>
         <p:blipFill>
-          <a:blip r:embed="rId1"/>
+          <a:blip r:embed="rId2"/>
           <a:stretch>
             <a:fillRect/>
           </a:stretch>
@@ -4960,7 +4919,6 @@
               <a:rPr lang="en-US"/>
               <a:t>CONCLUSION</a:t>
             </a:r>
-            <a:endParaRPr lang="en-US"/>
           </a:p>
         </p:txBody>
       </p:sp>
@@ -4985,14 +4943,12 @@
               <a:rPr lang="en-US"/>
               <a:t>Creating smart connected systems for our urban areas provides a great many benefits for citizens around the world, not only to improve quality of life, but also to ensure sustainability and the best possible use of resources.</a:t>
             </a:r>
-            <a:endParaRPr lang="en-US"/>
           </a:p>
           <a:p>
             <a:r>
               <a:rPr lang="en-US"/>
               <a:t>These solutions are dependent on a unified approach from government as well as the private sector and residents themselves. With the correct support and infrastructure, however, smart cities can use advances such as the Internet of Things to enhance the lives of residents and create joined-up living solutions for the growing global urban citizenry.</a:t>
             </a:r>
-            <a:endParaRPr lang="en-US"/>
           </a:p>
         </p:txBody>
       </p:sp>
@@ -5042,7 +4998,6 @@
               <a:rPr lang="en-US"/>
               <a:t>REFERENCES</a:t>
             </a:r>
-            <a:endParaRPr lang="en-US"/>
           </a:p>
         </p:txBody>
       </p:sp>
@@ -5067,28 +5022,24 @@
               <a:rPr lang="en-US" sz="1500"/>
               <a:t>rwant Singh (19 June 2014). "Smart Cities – A$1.5 Trillion Market Opportunity". Forbes. Archived from the original on 3 November 2014. Retrieved 4 November 2014.</a:t>
             </a:r>
-            <a:endParaRPr lang="en-US" sz="1500"/>
           </a:p>
           <a:p>
             <a:r>
               <a:rPr lang="en-US" sz="1500"/>
               <a:t> Giffinger, Rudolf; Christian Fertner; Hans Kramar; Robert Kalasek; Nataša Pichler-Milanovic; Evert Meijers (2007). "Smart cities – Ranking of European medium-sized cities" (PDF). Smart Cities. Vienna: Centre of Regional Science. Archived  from the original on 9 April 2011. Retrieved 13 November 200</a:t>
             </a:r>
-            <a:endParaRPr lang="en-US" sz="1500"/>
           </a:p>
           <a:p>
             <a:r>
               <a:rPr lang="en-US" sz="1500"/>
               <a:t> "IEEE Smart Cities". Institute of Electrical and Electronics Engineers. 23 April 2019. Archived from the original on 23 April 2019.</a:t>
             </a:r>
-            <a:endParaRPr lang="en-US" sz="1500"/>
           </a:p>
           <a:p>
             <a:r>
               <a:rPr lang="en-US" sz="1500"/>
               <a:t> Pribyl, Ondrej; Svitek, Miroslav; Rothkrantz, Leon (28 March 2022). "Intelligent Mobility in Smart Cities". Applied Sciences. 12 (7): 3440. doi:10.3390/app12073440. Retrieved 28 August 2022.</a:t>
             </a:r>
-            <a:endParaRPr lang="en-US" sz="1500"/>
           </a:p>
           <a:p>
             <a:r>
@@ -5166,7 +5117,6 @@
               <a:rPr lang="en-US" dirty="0"/>
               <a:t>TABLE OF CONTENT</a:t>
             </a:r>
-            <a:endParaRPr lang="en-US" dirty="0"/>
           </a:p>
         </p:txBody>
       </p:sp>
@@ -5191,35 +5141,30 @@
               <a:rPr lang="en-US"/>
               <a:t>Introduction</a:t>
             </a:r>
-            <a:endParaRPr lang="en-US"/>
           </a:p>
           <a:p>
             <a:r>
               <a:rPr lang="en-US"/>
               <a:t>The necessity for smart cities </a:t>
             </a:r>
-            <a:endParaRPr lang="en-US"/>
           </a:p>
           <a:p>
             <a:r>
               <a:rPr lang="en-US"/>
               <a:t>The role of Telecommunication and Information engineering  in the development of smart cities.</a:t>
             </a:r>
-            <a:endParaRPr lang="en-US"/>
           </a:p>
           <a:p>
             <a:r>
               <a:rPr lang="en-US"/>
               <a:t>Conclusion </a:t>
             </a:r>
-            <a:endParaRPr lang="en-US"/>
           </a:p>
           <a:p>
             <a:r>
               <a:rPr lang="en-US"/>
               <a:t>References</a:t>
             </a:r>
-            <a:endParaRPr lang="en-US"/>
           </a:p>
           <a:p>
             <a:pPr marL="0" indent="0">
@@ -5229,7 +5174,6 @@
               <a:rPr lang="en-US"/>
               <a:t> </a:t>
             </a:r>
-            <a:endParaRPr lang="en-US"/>
           </a:p>
           <a:p>
             <a:pPr marL="0" indent="0">
@@ -5291,7 +5235,6 @@
               <a:rPr lang="en-US"/>
               <a:t>cont.</a:t>
             </a:r>
-            <a:endParaRPr lang="en-US"/>
           </a:p>
         </p:txBody>
       </p:sp>
@@ -5389,7 +5332,6 @@
               <a:rPr lang="en-US" dirty="0"/>
               <a:t>INTRODUCTION</a:t>
             </a:r>
-            <a:endParaRPr lang="en-US" dirty="0"/>
           </a:p>
         </p:txBody>
       </p:sp>
@@ -5417,7 +5359,6 @@
               <a:rPr lang="en-US" dirty="0"/>
               <a:t>Smart cities use a variety of software, user interfaces and communication networks alongside the Internet of Things (IoT) to deliver connected solutions for the public. Of these, the IoT is the most important. The IoT is a network of connected devices that communicate and exchange data. This can include anything from vehicles to home appliances and on-street sensors. Data collected from these devices is stored in the cloud or on servers to allow for improvements to be made to both public and private sector efficiencies and deliver economic benefits and improvements to the lives of citizens.</a:t>
             </a:r>
-            <a:endParaRPr lang="en-US" dirty="0"/>
           </a:p>
         </p:txBody>
       </p:sp>
@@ -5467,7 +5408,6 @@
               <a:rPr lang="en-US"/>
               <a:t>smart city Technologies </a:t>
             </a:r>
-            <a:endParaRPr lang="en-US"/>
           </a:p>
         </p:txBody>
       </p:sp>
@@ -5495,7 +5435,6 @@
               <a:rPr lang="en-US"/>
               <a:t>Smart cities use a variety of software, user interfaces and communication networks alongside the Internet of Things (IoT) to deliver connected solutions for the public.Besides IOTs they use the following other softwares:</a:t>
             </a:r>
-            <a:endParaRPr lang="en-US"/>
           </a:p>
           <a:p>
             <a:pPr marL="0" indent="0">
@@ -5508,49 +5447,42 @@
               <a:rPr lang="en-US"/>
               <a:t>Application Programming Interfaces (APIs)</a:t>
             </a:r>
-            <a:endParaRPr lang="en-US"/>
           </a:p>
           <a:p>
             <a:r>
               <a:rPr lang="en-US"/>
               <a:t>Artificial Intelligence (AI)</a:t>
             </a:r>
-            <a:endParaRPr lang="en-US"/>
           </a:p>
           <a:p>
             <a:r>
               <a:rPr lang="en-US"/>
               <a:t>Cloud Computing Services</a:t>
             </a:r>
-            <a:endParaRPr lang="en-US"/>
           </a:p>
           <a:p>
             <a:r>
               <a:rPr lang="en-US"/>
               <a:t>Dashboards</a:t>
             </a:r>
-            <a:endParaRPr lang="en-US"/>
           </a:p>
           <a:p>
             <a:r>
               <a:rPr lang="en-US"/>
               <a:t>Machine Learning</a:t>
             </a:r>
-            <a:endParaRPr lang="en-US"/>
           </a:p>
           <a:p>
             <a:r>
               <a:rPr lang="en-US"/>
               <a:t>Machine-to-Machine Communications</a:t>
             </a:r>
-            <a:endParaRPr lang="en-US"/>
           </a:p>
           <a:p>
             <a:r>
               <a:rPr lang="en-US"/>
               <a:t>Mesh Networks</a:t>
             </a:r>
-            <a:endParaRPr lang="en-US"/>
           </a:p>
         </p:txBody>
       </p:sp>
@@ -5600,72 +5532,66 @@
               <a:rPr lang="en-US"/>
               <a:t>How smart cities work</a:t>
             </a:r>
+          </a:p>
+        </p:txBody>
+      </p:sp>
+      <p:sp>
+        <p:nvSpPr>
+          <p:cNvPr id="3" name="Content Placeholder 2"/>
+          <p:cNvSpPr>
+            <a:spLocks noGrp="1"/>
+          </p:cNvSpPr>
+          <p:nvPr>
+            <p:ph idx="1"/>
+          </p:nvPr>
+        </p:nvSpPr>
+        <p:spPr/>
+        <p:txBody>
+          <a:bodyPr>
+            <a:normAutofit fontScale="57500" lnSpcReduction="20000"/>
+          </a:bodyPr>
+          <a:lstStyle/>
+          <a:p>
+            <a:r>
+              <a:rPr lang="en-US"/>
+              <a:t>Smart cities follow four steps to improve the quality of life and enable economic growth through a network of connected IoT devices and other technologies. These steps are as follows:</a:t>
+            </a:r>
+          </a:p>
+          <a:p>
             <a:endParaRPr lang="en-US"/>
           </a:p>
-        </p:txBody>
-      </p:sp>
-      <p:sp>
-        <p:nvSpPr>
-          <p:cNvPr id="3" name="Content Placeholder 2"/>
-          <p:cNvSpPr>
-            <a:spLocks noGrp="1"/>
-          </p:cNvSpPr>
-          <p:nvPr>
-            <p:ph idx="1"/>
-          </p:nvPr>
-        </p:nvSpPr>
-        <p:spPr/>
-        <p:txBody>
-          <a:bodyPr>
-            <a:normAutofit fontScale="65000" lnSpcReduction="20000"/>
-          </a:bodyPr>
-          <a:lstStyle/>
-          <a:p>
-            <a:r>
-              <a:rPr lang="en-US"/>
-              <a:t>Smart cities follow four steps to improve the quality of life and enable economic growth through a network of connected IoT devices and other technologies. These steps are as follows:</a:t>
-            </a:r>
+          <a:p>
+            <a:r>
+              <a:rPr lang="en-US"/>
+              <a:t>1. Collection – Smart sensors gather real-time data</a:t>
+            </a:r>
+          </a:p>
+          <a:p>
             <a:endParaRPr lang="en-US"/>
           </a:p>
           <a:p>
+            <a:r>
+              <a:rPr lang="en-US"/>
+              <a:t>2. Analysis – The data is analysed to gain insights into the operation of city services and operations</a:t>
+            </a:r>
+          </a:p>
+          <a:p>
             <a:endParaRPr lang="en-US"/>
           </a:p>
           <a:p>
             <a:r>
               <a:rPr lang="en-US"/>
-              <a:t>1. Collection – Smart sensors gather real-time data</a:t>
-            </a:r>
+              <a:t>3. Communication – The results of the data analysis are communicated to decision makers</a:t>
+            </a:r>
+          </a:p>
+          <a:p>
             <a:endParaRPr lang="en-US"/>
           </a:p>
           <a:p>
-            <a:endParaRPr lang="en-US"/>
-          </a:p>
-          <a:p>
-            <a:r>
-              <a:rPr lang="en-US"/>
-              <a:t>2. Analysis – The data is analysed to gain insights into the operation of city services and operations</a:t>
-            </a:r>
-            <a:endParaRPr lang="en-US"/>
-          </a:p>
-          <a:p>
-            <a:endParaRPr lang="en-US"/>
-          </a:p>
-          <a:p>
-            <a:r>
-              <a:rPr lang="en-US"/>
-              <a:t>3. Communication – The results of the data analysis are communicated to decision makers</a:t>
-            </a:r>
-            <a:endParaRPr lang="en-US"/>
-          </a:p>
-          <a:p>
-            <a:endParaRPr lang="en-US"/>
-          </a:p>
-          <a:p>
             <a:r>
               <a:rPr lang="en-US"/>
               <a:t>4. Action – Action is taken to improve operations, manage assets and improve the quality of city life for the residents</a:t>
             </a:r>
-            <a:endParaRPr lang="en-US"/>
           </a:p>
         </p:txBody>
       </p:sp>
@@ -5715,7 +5641,6 @@
               <a:rPr lang="en-US"/>
               <a:t>Neccesity of smart cities </a:t>
             </a:r>
-            <a:endParaRPr lang="en-US"/>
           </a:p>
         </p:txBody>
       </p:sp>
@@ -5743,7 +5668,6 @@
               <a:rPr lang="en-US"/>
               <a:t>Smart cities that leverage connected technology across their operations reap a host of benefits as outlined;</a:t>
             </a:r>
-            <a:endParaRPr lang="en-US"/>
           </a:p>
           <a:p>
             <a:pPr marL="514350" indent="-514350">
@@ -5753,7 +5677,6 @@
               <a:rPr lang="en-US"/>
               <a:t>More effective, data-driven decision-making</a:t>
             </a:r>
-            <a:endParaRPr lang="en-US"/>
           </a:p>
           <a:p>
             <a:pPr marL="514350" indent="-514350">
@@ -5763,7 +5686,6 @@
               <a:rPr lang="en-US"/>
               <a:t>Enhanced citizen and government engagement</a:t>
             </a:r>
-            <a:endParaRPr lang="en-US"/>
           </a:p>
           <a:p>
             <a:pPr marL="514350" indent="-514350">
@@ -5773,7 +5695,6 @@
               <a:rPr lang="en-US"/>
               <a:t>Safer communities</a:t>
             </a:r>
-            <a:endParaRPr lang="en-US"/>
           </a:p>
           <a:p>
             <a:pPr marL="514350" indent="-514350">
@@ -5783,7 +5704,6 @@
               <a:rPr lang="en-US"/>
               <a:t>Reduced environmental footprint</a:t>
             </a:r>
-            <a:endParaRPr lang="en-US"/>
           </a:p>
           <a:p>
             <a:pPr marL="514350" indent="-514350">
@@ -5793,7 +5713,6 @@
               <a:rPr lang="en-US"/>
               <a:t>Improved transportation</a:t>
             </a:r>
-            <a:endParaRPr lang="en-US"/>
           </a:p>
         </p:txBody>
       </p:sp>
@@ -5843,7 +5762,6 @@
               <a:rPr lang="en-US"/>
               <a:t>cont.</a:t>
             </a:r>
-            <a:endParaRPr lang="en-US"/>
           </a:p>
         </p:txBody>
       </p:sp>
@@ -5871,7 +5789,6 @@
               <a:rPr lang="en-US"/>
               <a:t>6.Increased digital equity</a:t>
             </a:r>
-            <a:endParaRPr lang="en-US"/>
           </a:p>
           <a:p>
             <a:pPr marL="0" indent="0">
@@ -5881,7 +5798,6 @@
               <a:rPr lang="en-US"/>
               <a:t>7.New economic development opportunities</a:t>
             </a:r>
-            <a:endParaRPr lang="en-US"/>
           </a:p>
           <a:p>
             <a:pPr marL="0" indent="0">
@@ -5891,7 +5807,6 @@
               <a:rPr lang="en-US"/>
               <a:t>8.Efficient public utilities</a:t>
             </a:r>
-            <a:endParaRPr lang="en-US"/>
           </a:p>
           <a:p>
             <a:pPr marL="0" indent="0">
@@ -5901,7 +5816,6 @@
               <a:rPr lang="en-US"/>
               <a:t>9.Improved infrastructure</a:t>
             </a:r>
-            <a:endParaRPr lang="en-US"/>
           </a:p>
           <a:p>
             <a:pPr marL="0" indent="0">
@@ -5911,7 +5825,6 @@
               <a:rPr lang="en-US"/>
               <a:t>10.Improved infrastructure</a:t>
             </a:r>
-            <a:endParaRPr lang="en-US"/>
           </a:p>
           <a:p>
             <a:pPr marL="0" indent="0">
@@ -5921,7 +5834,6 @@
               <a:rPr lang="en-US"/>
               <a:t>Smart city technology can make cities more effective and efficient, which is necessary given the projected rapid growth in urban populations over the next few decades.</a:t>
             </a:r>
-            <a:endParaRPr lang="en-US"/>
           </a:p>
         </p:txBody>
       </p:sp>
@@ -5968,10 +5880,17 @@
           <a:lstStyle/>
           <a:p>
             <a:r>
-              <a:rPr lang="en-US"/>
-              <a:t>Role of Telecommunication engineering in development of smart cities </a:t>
-            </a:r>
-            <a:endParaRPr lang="en-US"/>
+              <a:rPr lang="en-US" dirty="0"/>
+              <a:t>Role of </a:t>
+            </a:r>
+            <a:r>
+              <a:rPr lang="en-US" dirty="0" smtClean="0"/>
+              <a:t>Computer science </a:t>
+            </a:r>
+            <a:r>
+              <a:rPr lang="en-US" dirty="0"/>
+              <a:t>in development of smart cities </a:t>
+            </a:r>
           </a:p>
         </p:txBody>
       </p:sp>
@@ -5988,7 +5907,7 @@
         <p:spPr/>
         <p:txBody>
           <a:bodyPr>
-            <a:normAutofit lnSpcReduction="10000"/>
+            <a:normAutofit/>
           </a:bodyPr>
           <a:lstStyle/>
           <a:p>
@@ -5996,10 +5915,17 @@
               <a:buNone/>
             </a:pPr>
             <a:r>
-              <a:rPr lang="en-US"/>
-              <a:t> A smart city uses technology and data to enhance urban management, increase resource efficiency, and enhance the quality of life for its citizens. Among the various disciplines driving this transformative change, Telecommunication  engineering stands out. Let’s explore the pivotal role of electrical engineering in the development of smart cities and its impact on shaping our urban future.</a:t>
-            </a:r>
-            <a:endParaRPr lang="en-US"/>
+              <a:rPr lang="en-US" dirty="0"/>
+              <a:t> A smart city uses technology and data to enhance urban management, increase resource efficiency, and enhance the quality of life for its citizens. Among the various disciplines driving this transformative change, </a:t>
+            </a:r>
+            <a:r>
+              <a:rPr lang="en-US" dirty="0" smtClean="0"/>
+              <a:t>computer science stands </a:t>
+            </a:r>
+            <a:r>
+              <a:rPr lang="en-US" dirty="0"/>
+              <a:t>out. Let’s explore the pivotal role of electrical engineering in the development of smart cities and its impact on shaping our urban future.</a:t>
+            </a:r>
           </a:p>
         </p:txBody>
       </p:sp>
@@ -6049,7 +5975,6 @@
               <a:rPr lang="en-US"/>
               <a:t>cont.</a:t>
             </a:r>
-            <a:endParaRPr lang="en-US"/>
           </a:p>
         </p:txBody>
       </p:sp>
@@ -6077,7 +6002,6 @@
               <a:rPr lang="en-US" b="1"/>
               <a:t>Smart Grids and Energy Management</a:t>
             </a:r>
-            <a:endParaRPr lang="en-US" b="1"/>
           </a:p>
           <a:p>
             <a:pPr marL="0" indent="0">
@@ -6087,7 +6011,6 @@
               <a:rPr lang="en-US"/>
               <a:t>One of the fundamental pillars of a smart city is its energy management system. To create and execute smart grids that enable effective energy distribution, renewable energy integration, and demand-side management, Telecommunication and information  engineering is essential. Through advanced sensors, communication networks, and data analytics, electrical engineers ensure a reliable and sustainable energy supply, reducing carbon footprints and promoting energy conservation in smart cities.</a:t>
             </a:r>
-            <a:endParaRPr lang="en-US"/>
           </a:p>
         </p:txBody>
       </p:sp>
@@ -6379,6 +6302,8 @@
       </a:bgFillStyleLst>
     </a:fmtScheme>
   </a:themeElements>
+  <a:objectDefaults/>
+  <a:extraClrSchemeLst/>
   <a:extLst>
     <a:ext uri="{05A4C25C-085E-4340-85A3-A5531E510DB2}">
       <thm15:themeFamily xmlns:thm15="http://schemas.microsoft.com/office/thememl/2012/main" name="Office Theme" id="{62F939B6-93AF-4DB8-9C6B-D6C7DFDC589F}" vid="{4A3C46E8-61CC-4603-A589-7422A47A8E4A}"/>
@@ -6638,6 +6563,8 @@
       </a:bgFillStyleLst>
     </a:fmtScheme>
   </a:themeElements>
+  <a:objectDefaults/>
+  <a:extraClrSchemeLst/>
   <a:extLst>
     <a:ext uri="{05A4C25C-085E-4340-85A3-A5531E510DB2}">
       <thm15:themeFamily xmlns:thm15="http://schemas.microsoft.com/office/thememl/2012/main" name="Office Theme" id="{62F939B6-93AF-4DB8-9C6B-D6C7DFDC589F}" vid="{4A3C46E8-61CC-4603-A589-7422A47A8E4A}"/>
